--- a/week6/day1/css3上半部分 (1).pptx
+++ b/week6/day1/css3上半部分 (1).pptx
@@ -219,7 +219,7 @@
             <a:fld id="{1BA958DF-2B6F-E74D-80F6-CDC33EE30BEE}" type="datetimeFigureOut">
               <a:rPr kumimoji="1" lang="zh-CN" altLang="en-US" smtClean="0"/>
               <a:pPr/>
-              <a:t>2019/1/7</a:t>
+              <a:t>2019/10/22</a:t>
             </a:fld>
             <a:endParaRPr kumimoji="1" lang="zh-CN" altLang="en-US"/>
           </a:p>
@@ -752,7 +752,7 @@
             <a:fld id="{837D91E7-E9FB-124C-A248-FAD78853CED4}" type="datetimeFigureOut">
               <a:rPr kumimoji="1" lang="zh-CN" altLang="en-US" smtClean="0"/>
               <a:pPr/>
-              <a:t>2019/1/7</a:t>
+              <a:t>2019/10/22</a:t>
             </a:fld>
             <a:endParaRPr kumimoji="1" lang="zh-CN" altLang="en-US"/>
           </a:p>
@@ -934,7 +934,7 @@
             <a:fld id="{837D91E7-E9FB-124C-A248-FAD78853CED4}" type="datetimeFigureOut">
               <a:rPr kumimoji="1" lang="zh-CN" altLang="en-US" smtClean="0"/>
               <a:pPr/>
-              <a:t>2019/1/7</a:t>
+              <a:t>2019/10/22</a:t>
             </a:fld>
             <a:endParaRPr kumimoji="1" lang="zh-CN" altLang="en-US"/>
           </a:p>
@@ -1126,7 +1126,7 @@
             <a:fld id="{837D91E7-E9FB-124C-A248-FAD78853CED4}" type="datetimeFigureOut">
               <a:rPr kumimoji="1" lang="zh-CN" altLang="en-US" smtClean="0"/>
               <a:pPr/>
-              <a:t>2019/1/7</a:t>
+              <a:t>2019/10/22</a:t>
             </a:fld>
             <a:endParaRPr kumimoji="1" lang="zh-CN" altLang="en-US"/>
           </a:p>
@@ -1308,7 +1308,7 @@
             <a:fld id="{837D91E7-E9FB-124C-A248-FAD78853CED4}" type="datetimeFigureOut">
               <a:rPr kumimoji="1" lang="zh-CN" altLang="en-US" smtClean="0"/>
               <a:pPr/>
-              <a:t>2019/1/7</a:t>
+              <a:t>2019/10/22</a:t>
             </a:fld>
             <a:endParaRPr kumimoji="1" lang="zh-CN" altLang="en-US"/>
           </a:p>
@@ -1567,7 +1567,7 @@
             <a:fld id="{837D91E7-E9FB-124C-A248-FAD78853CED4}" type="datetimeFigureOut">
               <a:rPr kumimoji="1" lang="zh-CN" altLang="en-US" smtClean="0"/>
               <a:pPr/>
-              <a:t>2019/1/7</a:t>
+              <a:t>2019/10/22</a:t>
             </a:fld>
             <a:endParaRPr kumimoji="1" lang="zh-CN" altLang="en-US"/>
           </a:p>
@@ -1866,7 +1866,7 @@
             <a:fld id="{837D91E7-E9FB-124C-A248-FAD78853CED4}" type="datetimeFigureOut">
               <a:rPr kumimoji="1" lang="zh-CN" altLang="en-US" smtClean="0"/>
               <a:pPr/>
-              <a:t>2019/1/7</a:t>
+              <a:t>2019/10/22</a:t>
             </a:fld>
             <a:endParaRPr kumimoji="1" lang="zh-CN" altLang="en-US"/>
           </a:p>
@@ -2299,7 +2299,7 @@
             <a:fld id="{837D91E7-E9FB-124C-A248-FAD78853CED4}" type="datetimeFigureOut">
               <a:rPr kumimoji="1" lang="zh-CN" altLang="en-US" smtClean="0"/>
               <a:pPr/>
-              <a:t>2019/1/7</a:t>
+              <a:t>2019/10/22</a:t>
             </a:fld>
             <a:endParaRPr kumimoji="1" lang="zh-CN" altLang="en-US"/>
           </a:p>
@@ -2430,7 +2430,7 @@
             <a:fld id="{837D91E7-E9FB-124C-A248-FAD78853CED4}" type="datetimeFigureOut">
               <a:rPr kumimoji="1" lang="zh-CN" altLang="en-US" smtClean="0"/>
               <a:pPr/>
-              <a:t>2019/1/7</a:t>
+              <a:t>2019/10/22</a:t>
             </a:fld>
             <a:endParaRPr kumimoji="1" lang="zh-CN" altLang="en-US"/>
           </a:p>
@@ -2539,7 +2539,7 @@
             <a:fld id="{837D91E7-E9FB-124C-A248-FAD78853CED4}" type="datetimeFigureOut">
               <a:rPr kumimoji="1" lang="zh-CN" altLang="en-US" smtClean="0"/>
               <a:pPr/>
-              <a:t>2019/1/7</a:t>
+              <a:t>2019/10/22</a:t>
             </a:fld>
             <a:endParaRPr kumimoji="1" lang="zh-CN" altLang="en-US"/>
           </a:p>
@@ -2828,7 +2828,7 @@
             <a:fld id="{837D91E7-E9FB-124C-A248-FAD78853CED4}" type="datetimeFigureOut">
               <a:rPr kumimoji="1" lang="zh-CN" altLang="en-US" smtClean="0"/>
               <a:pPr/>
-              <a:t>2019/1/7</a:t>
+              <a:t>2019/10/22</a:t>
             </a:fld>
             <a:endParaRPr kumimoji="1" lang="zh-CN" altLang="en-US"/>
           </a:p>
@@ -3094,7 +3094,7 @@
             <a:fld id="{837D91E7-E9FB-124C-A248-FAD78853CED4}" type="datetimeFigureOut">
               <a:rPr kumimoji="1" lang="zh-CN" altLang="en-US" smtClean="0"/>
               <a:pPr/>
-              <a:t>2019/1/7</a:t>
+              <a:t>2019/10/22</a:t>
             </a:fld>
             <a:endParaRPr kumimoji="1" lang="zh-CN" altLang="en-US"/>
           </a:p>
@@ -3319,7 +3319,7 @@
             <a:fld id="{837D91E7-E9FB-124C-A248-FAD78853CED4}" type="datetimeFigureOut">
               <a:rPr kumimoji="1" lang="zh-CN" altLang="en-US" smtClean="0"/>
               <a:pPr/>
-              <a:t>2019/1/7</a:t>
+              <a:t>2019/10/22</a:t>
             </a:fld>
             <a:endParaRPr kumimoji="1" lang="zh-CN" altLang="en-US"/>
           </a:p>
